--- a/documentation/slides/PresentationMar28.pptx
+++ b/documentation/slides/PresentationMar28.pptx
@@ -784,7 +784,7 @@
   <p:cSld>
     <p:spTree>
       <p:nvGrpSpPr>
-        <p:cNvPr id="195" name="Shape 195"/>
+        <p:cNvPr id="197" name="Shape 197"/>
         <p:cNvGrpSpPr/>
         <p:nvPr/>
       </p:nvGrpSpPr>
@@ -798,7 +798,7 @@
       </p:grpSpPr>
       <p:sp>
         <p:nvSpPr>
-          <p:cNvPr id="196" name="Google Shape;196;g546129fa56_1_10:notes"/>
+          <p:cNvPr id="198" name="Google Shape;198;g546129fa56_1_10:notes"/>
           <p:cNvSpPr/>
           <p:nvPr>
             <p:ph idx="2" type="sldImg"/>
@@ -833,7 +833,7 @@
       </p:sp>
       <p:sp>
         <p:nvSpPr>
-          <p:cNvPr id="197" name="Google Shape;197;g546129fa56_1_10:notes"/>
+          <p:cNvPr id="199" name="Google Shape;199;g546129fa56_1_10:notes"/>
           <p:cNvSpPr txBox="1"/>
           <p:nvPr>
             <p:ph idx="1" type="body"/>
@@ -883,7 +883,7 @@
   <p:cSld>
     <p:spTree>
       <p:nvGrpSpPr>
-        <p:cNvPr id="202" name="Shape 202"/>
+        <p:cNvPr id="204" name="Shape 204"/>
         <p:cNvGrpSpPr/>
         <p:nvPr/>
       </p:nvGrpSpPr>
@@ -897,7 +897,7 @@
       </p:grpSpPr>
       <p:sp>
         <p:nvSpPr>
-          <p:cNvPr id="203" name="Google Shape;203;g4e9aba5072_0_5:notes"/>
+          <p:cNvPr id="205" name="Google Shape;205;g4e9aba5072_0_5:notes"/>
           <p:cNvSpPr/>
           <p:nvPr>
             <p:ph idx="2" type="sldImg"/>
@@ -932,7 +932,7 @@
       </p:sp>
       <p:sp>
         <p:nvSpPr>
-          <p:cNvPr id="204" name="Google Shape;204;g4e9aba5072_0_5:notes"/>
+          <p:cNvPr id="206" name="Google Shape;206;g4e9aba5072_0_5:notes"/>
           <p:cNvSpPr txBox="1"/>
           <p:nvPr>
             <p:ph idx="1" type="body"/>
@@ -983,7 +983,7 @@
   <p:cSld>
     <p:spTree>
       <p:nvGrpSpPr>
-        <p:cNvPr id="211" name="Shape 211"/>
+        <p:cNvPr id="213" name="Shape 213"/>
         <p:cNvGrpSpPr/>
         <p:nvPr/>
       </p:nvGrpSpPr>
@@ -997,7 +997,7 @@
       </p:grpSpPr>
       <p:sp>
         <p:nvSpPr>
-          <p:cNvPr id="212" name="Google Shape;212;g54927e6baa_0_0:notes"/>
+          <p:cNvPr id="214" name="Google Shape;214;g54927e6baa_0_0:notes"/>
           <p:cNvSpPr/>
           <p:nvPr>
             <p:ph idx="2" type="sldImg"/>
@@ -1032,7 +1032,7 @@
       </p:sp>
       <p:sp>
         <p:nvSpPr>
-          <p:cNvPr id="213" name="Google Shape;213;g54927e6baa_0_0:notes"/>
+          <p:cNvPr id="215" name="Google Shape;215;g54927e6baa_0_0:notes"/>
           <p:cNvSpPr txBox="1"/>
           <p:nvPr>
             <p:ph idx="1" type="body"/>
@@ -1082,7 +1082,7 @@
   <p:cSld>
     <p:spTree>
       <p:nvGrpSpPr>
-        <p:cNvPr id="220" name="Shape 220"/>
+        <p:cNvPr id="222" name="Shape 222"/>
         <p:cNvGrpSpPr/>
         <p:nvPr/>
       </p:nvGrpSpPr>
@@ -1096,7 +1096,7 @@
       </p:grpSpPr>
       <p:sp>
         <p:nvSpPr>
-          <p:cNvPr id="221" name="Google Shape;221;g5218d689bc_3_4:notes"/>
+          <p:cNvPr id="223" name="Google Shape;223;g5218d689bc_3_4:notes"/>
           <p:cNvSpPr/>
           <p:nvPr>
             <p:ph idx="2" type="sldImg"/>
@@ -1131,7 +1131,7 @@
       </p:sp>
       <p:sp>
         <p:nvSpPr>
-          <p:cNvPr id="222" name="Google Shape;222;g5218d689bc_3_4:notes"/>
+          <p:cNvPr id="224" name="Google Shape;224;g5218d689bc_3_4:notes"/>
           <p:cNvSpPr txBox="1"/>
           <p:nvPr>
             <p:ph idx="1" type="body"/>
@@ -1954,7 +1954,8 @@
               <a:buNone/>
             </a:pPr>
             <a:r>
-              <a:t/>
+              <a:rPr lang="en"/>
+              <a:t>Logan</a:t>
             </a:r>
             <a:endParaRPr/>
           </a:p>
@@ -10234,7 +10235,7 @@
   <p:cSld>
     <p:spTree>
       <p:nvGrpSpPr>
-        <p:cNvPr id="198" name="Shape 198"/>
+        <p:cNvPr id="200" name="Shape 200"/>
         <p:cNvGrpSpPr/>
         <p:nvPr/>
       </p:nvGrpSpPr>
@@ -10248,7 +10249,7 @@
       </p:grpSpPr>
       <p:sp>
         <p:nvSpPr>
-          <p:cNvPr id="199" name="Google Shape;199;p22"/>
+          <p:cNvPr id="201" name="Google Shape;201;p22"/>
           <p:cNvSpPr txBox="1"/>
           <p:nvPr>
             <p:ph type="title"/>
@@ -10288,7 +10289,7 @@
       </p:sp>
       <p:sp>
         <p:nvSpPr>
-          <p:cNvPr id="200" name="Google Shape;200;p22"/>
+          <p:cNvPr id="202" name="Google Shape;202;p22"/>
           <p:cNvSpPr txBox="1"/>
           <p:nvPr>
             <p:ph idx="1" type="body"/>
@@ -10390,7 +10391,7 @@
       </p:sp>
       <p:pic>
         <p:nvPicPr>
-          <p:cNvPr id="201" name="Google Shape;201;p22"/>
+          <p:cNvPr id="203" name="Google Shape;203;p22"/>
           <p:cNvPicPr preferRelativeResize="0"/>
           <p:nvPr/>
         </p:nvPicPr>
@@ -10429,7 +10430,7 @@
   <p:cSld>
     <p:spTree>
       <p:nvGrpSpPr>
-        <p:cNvPr id="205" name="Shape 205"/>
+        <p:cNvPr id="207" name="Shape 207"/>
         <p:cNvGrpSpPr/>
         <p:nvPr/>
       </p:nvGrpSpPr>
@@ -10443,7 +10444,7 @@
       </p:grpSpPr>
       <p:sp>
         <p:nvSpPr>
-          <p:cNvPr id="206" name="Google Shape;206;p23"/>
+          <p:cNvPr id="208" name="Google Shape;208;p23"/>
           <p:cNvSpPr txBox="1"/>
           <p:nvPr>
             <p:ph type="title"/>
@@ -10483,7 +10484,7 @@
       </p:sp>
       <p:sp>
         <p:nvSpPr>
-          <p:cNvPr id="207" name="Google Shape;207;p23"/>
+          <p:cNvPr id="209" name="Google Shape;209;p23"/>
           <p:cNvSpPr txBox="1"/>
           <p:nvPr>
             <p:ph idx="1" type="body"/>
@@ -10523,7 +10524,7 @@
       </p:sp>
       <p:pic>
         <p:nvPicPr>
-          <p:cNvPr id="208" name="Google Shape;208;p23"/>
+          <p:cNvPr id="210" name="Google Shape;210;p23"/>
           <p:cNvPicPr preferRelativeResize="0"/>
           <p:nvPr/>
         </p:nvPicPr>
@@ -10551,7 +10552,7 @@
       </p:pic>
       <p:pic>
         <p:nvPicPr>
-          <p:cNvPr id="209" name="Google Shape;209;p23"/>
+          <p:cNvPr id="211" name="Google Shape;211;p23"/>
           <p:cNvPicPr preferRelativeResize="0"/>
           <p:nvPr/>
         </p:nvPicPr>
@@ -10579,7 +10580,7 @@
       </p:pic>
       <p:pic>
         <p:nvPicPr>
-          <p:cNvPr id="210" name="Google Shape;210;p23"/>
+          <p:cNvPr id="212" name="Google Shape;212;p23"/>
           <p:cNvPicPr preferRelativeResize="0"/>
           <p:nvPr/>
         </p:nvPicPr>
@@ -10618,7 +10619,7 @@
   <p:cSld>
     <p:spTree>
       <p:nvGrpSpPr>
-        <p:cNvPr id="214" name="Shape 214"/>
+        <p:cNvPr id="216" name="Shape 216"/>
         <p:cNvGrpSpPr/>
         <p:nvPr/>
       </p:nvGrpSpPr>
@@ -10632,7 +10633,7 @@
       </p:grpSpPr>
       <p:sp>
         <p:nvSpPr>
-          <p:cNvPr id="215" name="Google Shape;215;p24"/>
+          <p:cNvPr id="217" name="Google Shape;217;p24"/>
           <p:cNvSpPr txBox="1"/>
           <p:nvPr>
             <p:ph type="title"/>
@@ -10687,7 +10688,7 @@
       </p:sp>
       <p:sp>
         <p:nvSpPr>
-          <p:cNvPr id="216" name="Google Shape;216;p24"/>
+          <p:cNvPr id="218" name="Google Shape;218;p24"/>
           <p:cNvSpPr txBox="1"/>
           <p:nvPr>
             <p:ph idx="1" type="body"/>
@@ -10727,7 +10728,7 @@
       </p:sp>
       <p:pic>
         <p:nvPicPr>
-          <p:cNvPr id="217" name="Google Shape;217;p24"/>
+          <p:cNvPr id="219" name="Google Shape;219;p24"/>
           <p:cNvPicPr preferRelativeResize="0"/>
           <p:nvPr/>
         </p:nvPicPr>
@@ -10755,7 +10756,7 @@
       </p:pic>
       <p:pic>
         <p:nvPicPr>
-          <p:cNvPr id="218" name="Google Shape;218;p24"/>
+          <p:cNvPr id="220" name="Google Shape;220;p24"/>
           <p:cNvPicPr preferRelativeResize="0"/>
           <p:nvPr/>
         </p:nvPicPr>
@@ -10783,7 +10784,7 @@
       </p:pic>
       <p:pic>
         <p:nvPicPr>
-          <p:cNvPr id="219" name="Google Shape;219;p24"/>
+          <p:cNvPr id="221" name="Google Shape;221;p24"/>
           <p:cNvPicPr preferRelativeResize="0"/>
           <p:nvPr/>
         </p:nvPicPr>
@@ -10822,7 +10823,7 @@
   <p:cSld>
     <p:spTree>
       <p:nvGrpSpPr>
-        <p:cNvPr id="223" name="Shape 223"/>
+        <p:cNvPr id="225" name="Shape 225"/>
         <p:cNvGrpSpPr/>
         <p:nvPr/>
       </p:nvGrpSpPr>
@@ -10836,7 +10837,7 @@
       </p:grpSpPr>
       <p:sp>
         <p:nvSpPr>
-          <p:cNvPr id="224" name="Google Shape;224;p25"/>
+          <p:cNvPr id="226" name="Google Shape;226;p25"/>
           <p:cNvSpPr txBox="1"/>
           <p:nvPr>
             <p:ph type="title"/>
@@ -10876,7 +10877,7 @@
       </p:sp>
       <p:sp>
         <p:nvSpPr>
-          <p:cNvPr id="225" name="Google Shape;225;p25"/>
+          <p:cNvPr id="227" name="Google Shape;227;p25"/>
           <p:cNvSpPr txBox="1"/>
           <p:nvPr>
             <p:ph idx="1" type="body"/>
@@ -11048,7 +11049,7 @@
       </p:sp>
       <p:sp>
         <p:nvSpPr>
-          <p:cNvPr id="226" name="Google Shape;226;p25"/>
+          <p:cNvPr id="228" name="Google Shape;228;p25"/>
           <p:cNvSpPr txBox="1"/>
           <p:nvPr/>
         </p:nvSpPr>
@@ -12509,7 +12510,7 @@
             </a:pPr>
             <a:r>
               <a:rPr lang="en"/>
-              <a:t>Using Pandas DataFrame</a:t>
+              <a:t>Parsing JSON data from MassMine</a:t>
             </a:r>
             <a:endParaRPr/>
           </a:p>
@@ -12531,8 +12532,8 @@
         </p:blipFill>
         <p:spPr>
           <a:xfrm>
-            <a:off x="1297512" y="963461"/>
-            <a:ext cx="6753423" cy="4051000"/>
+            <a:off x="5071763" y="1028700"/>
+            <a:ext cx="3613075" cy="2200125"/>
           </a:xfrm>
           <a:prstGeom prst="rect">
             <a:avLst/>
@@ -12543,6 +12544,650 @@
           </a:ln>
         </p:spPr>
       </p:pic>
+      <p:sp>
+        <p:nvSpPr>
+          <p:cNvPr id="195" name="Google Shape;195;p21"/>
+          <p:cNvSpPr txBox="1"/>
+          <p:nvPr/>
+        </p:nvSpPr>
+        <p:spPr>
+          <a:xfrm>
+            <a:off x="1028700" y="1028700"/>
+            <a:ext cx="3298800" cy="3819300"/>
+          </a:xfrm>
+          <a:prstGeom prst="rect">
+            <a:avLst/>
+          </a:prstGeom>
+          <a:noFill/>
+          <a:ln>
+            <a:noFill/>
+          </a:ln>
+        </p:spPr>
+        <p:txBody>
+          <a:bodyPr anchorCtr="0" anchor="t" bIns="91425" lIns="91425" spcFirstLastPara="1" rIns="91425" wrap="square" tIns="91425">
+            <a:noAutofit/>
+          </a:bodyPr>
+          <a:lstStyle/>
+          <a:p>
+            <a:pPr indent="0" lvl="0" marL="0" rtl="0" algn="l">
+              <a:spcBef>
+                <a:spcPts val="0"/>
+              </a:spcBef>
+              <a:spcAft>
+                <a:spcPts val="0"/>
+              </a:spcAft>
+              <a:buNone/>
+            </a:pPr>
+            <a:r>
+              <a:t/>
+            </a:r>
+            <a:endParaRPr>
+              <a:solidFill>
+                <a:srgbClr val="FFFFFF"/>
+              </a:solidFill>
+              <a:latin typeface="Lato"/>
+              <a:ea typeface="Lato"/>
+              <a:cs typeface="Lato"/>
+              <a:sym typeface="Lato"/>
+            </a:endParaRPr>
+          </a:p>
+          <a:p>
+            <a:pPr indent="-317500" lvl="0" marL="457200" rtl="0" algn="l">
+              <a:spcBef>
+                <a:spcPts val="0"/>
+              </a:spcBef>
+              <a:spcAft>
+                <a:spcPts val="0"/>
+              </a:spcAft>
+              <a:buClr>
+                <a:srgbClr val="FFFFFF"/>
+              </a:buClr>
+              <a:buSzPts val="1400"/>
+              <a:buFont typeface="Lato"/>
+              <a:buChar char="-"/>
+            </a:pPr>
+            <a:r>
+              <a:rPr b="1" lang="en">
+                <a:solidFill>
+                  <a:srgbClr val="FFFFFF"/>
+                </a:solidFill>
+                <a:latin typeface="Lato"/>
+                <a:ea typeface="Lato"/>
+                <a:cs typeface="Lato"/>
+                <a:sym typeface="Lato"/>
+              </a:rPr>
+              <a:t>Ideal</a:t>
+            </a:r>
+            <a:r>
+              <a:rPr lang="en">
+                <a:solidFill>
+                  <a:srgbClr val="FFFFFF"/>
+                </a:solidFill>
+                <a:latin typeface="Lato"/>
+                <a:ea typeface="Lato"/>
+                <a:cs typeface="Lato"/>
+                <a:sym typeface="Lato"/>
+              </a:rPr>
+              <a:t>: </a:t>
+            </a:r>
+            <a:endParaRPr>
+              <a:solidFill>
+                <a:srgbClr val="FFFFFF"/>
+              </a:solidFill>
+              <a:latin typeface="Lato"/>
+              <a:ea typeface="Lato"/>
+              <a:cs typeface="Lato"/>
+              <a:sym typeface="Lato"/>
+            </a:endParaRPr>
+          </a:p>
+          <a:p>
+            <a:pPr indent="0" lvl="0" marL="0" rtl="0" algn="l">
+              <a:spcBef>
+                <a:spcPts val="0"/>
+              </a:spcBef>
+              <a:spcAft>
+                <a:spcPts val="0"/>
+              </a:spcAft>
+              <a:buNone/>
+            </a:pPr>
+            <a:r>
+              <a:t/>
+            </a:r>
+            <a:endParaRPr>
+              <a:solidFill>
+                <a:srgbClr val="FFFFFF"/>
+              </a:solidFill>
+              <a:latin typeface="Lato"/>
+              <a:ea typeface="Lato"/>
+              <a:cs typeface="Lato"/>
+              <a:sym typeface="Lato"/>
+            </a:endParaRPr>
+          </a:p>
+          <a:p>
+            <a:pPr indent="-317500" lvl="1" marL="914400" rtl="0" algn="l">
+              <a:spcBef>
+                <a:spcPts val="0"/>
+              </a:spcBef>
+              <a:spcAft>
+                <a:spcPts val="0"/>
+              </a:spcAft>
+              <a:buClr>
+                <a:srgbClr val="FFFFFF"/>
+              </a:buClr>
+              <a:buSzPts val="1400"/>
+              <a:buFont typeface="Lato"/>
+              <a:buChar char="-"/>
+            </a:pPr>
+            <a:r>
+              <a:rPr lang="en">
+                <a:solidFill>
+                  <a:srgbClr val="FFFFFF"/>
+                </a:solidFill>
+                <a:latin typeface="Lato"/>
+                <a:ea typeface="Lato"/>
+                <a:cs typeface="Lato"/>
+                <a:sym typeface="Lato"/>
+              </a:rPr>
+              <a:t>convert to string then using json.loads() create JSON format</a:t>
+            </a:r>
+            <a:endParaRPr>
+              <a:solidFill>
+                <a:srgbClr val="FFFFFF"/>
+              </a:solidFill>
+              <a:latin typeface="Lato"/>
+              <a:ea typeface="Lato"/>
+              <a:cs typeface="Lato"/>
+              <a:sym typeface="Lato"/>
+            </a:endParaRPr>
+          </a:p>
+          <a:p>
+            <a:pPr indent="0" lvl="0" marL="0" rtl="0" algn="l">
+              <a:spcBef>
+                <a:spcPts val="0"/>
+              </a:spcBef>
+              <a:spcAft>
+                <a:spcPts val="0"/>
+              </a:spcAft>
+              <a:buNone/>
+            </a:pPr>
+            <a:r>
+              <a:t/>
+            </a:r>
+            <a:endParaRPr>
+              <a:solidFill>
+                <a:srgbClr val="FFFFFF"/>
+              </a:solidFill>
+              <a:latin typeface="Lato"/>
+              <a:ea typeface="Lato"/>
+              <a:cs typeface="Lato"/>
+              <a:sym typeface="Lato"/>
+            </a:endParaRPr>
+          </a:p>
+          <a:p>
+            <a:pPr indent="-317500" lvl="1" marL="914400" rtl="0" algn="l">
+              <a:spcBef>
+                <a:spcPts val="0"/>
+              </a:spcBef>
+              <a:spcAft>
+                <a:spcPts val="0"/>
+              </a:spcAft>
+              <a:buClr>
+                <a:srgbClr val="FFFFFF"/>
+              </a:buClr>
+              <a:buSzPts val="1400"/>
+              <a:buFont typeface="Lato"/>
+              <a:buChar char="-"/>
+            </a:pPr>
+            <a:r>
+              <a:rPr lang="en">
+                <a:solidFill>
+                  <a:srgbClr val="FFFFFF"/>
+                </a:solidFill>
+                <a:latin typeface="Lato"/>
+                <a:ea typeface="Lato"/>
+                <a:cs typeface="Lato"/>
+                <a:sym typeface="Lato"/>
+              </a:rPr>
+              <a:t>Problems with format of terminal output</a:t>
+            </a:r>
+            <a:endParaRPr>
+              <a:solidFill>
+                <a:srgbClr val="FFFFFF"/>
+              </a:solidFill>
+              <a:latin typeface="Lato"/>
+              <a:ea typeface="Lato"/>
+              <a:cs typeface="Lato"/>
+              <a:sym typeface="Lato"/>
+            </a:endParaRPr>
+          </a:p>
+          <a:p>
+            <a:pPr indent="0" lvl="0" marL="0" rtl="0" algn="l">
+              <a:spcBef>
+                <a:spcPts val="0"/>
+              </a:spcBef>
+              <a:spcAft>
+                <a:spcPts val="0"/>
+              </a:spcAft>
+              <a:buNone/>
+            </a:pPr>
+            <a:r>
+              <a:t/>
+            </a:r>
+            <a:endParaRPr>
+              <a:solidFill>
+                <a:srgbClr val="FFFFFF"/>
+              </a:solidFill>
+              <a:latin typeface="Lato"/>
+              <a:ea typeface="Lato"/>
+              <a:cs typeface="Lato"/>
+              <a:sym typeface="Lato"/>
+            </a:endParaRPr>
+          </a:p>
+          <a:p>
+            <a:pPr indent="-317500" lvl="0" marL="457200" rtl="0" algn="l">
+              <a:spcBef>
+                <a:spcPts val="0"/>
+              </a:spcBef>
+              <a:spcAft>
+                <a:spcPts val="0"/>
+              </a:spcAft>
+              <a:buClr>
+                <a:srgbClr val="FFFFFF"/>
+              </a:buClr>
+              <a:buSzPts val="1400"/>
+              <a:buFont typeface="Lato"/>
+              <a:buChar char="-"/>
+            </a:pPr>
+            <a:r>
+              <a:rPr b="1" lang="en">
+                <a:solidFill>
+                  <a:srgbClr val="FFFFFF"/>
+                </a:solidFill>
+                <a:latin typeface="Lato"/>
+                <a:ea typeface="Lato"/>
+                <a:cs typeface="Lato"/>
+                <a:sym typeface="Lato"/>
+              </a:rPr>
+              <a:t>Solution</a:t>
+            </a:r>
+            <a:r>
+              <a:rPr lang="en">
+                <a:solidFill>
+                  <a:srgbClr val="FFFFFF"/>
+                </a:solidFill>
+                <a:latin typeface="Lato"/>
+                <a:ea typeface="Lato"/>
+                <a:cs typeface="Lato"/>
+                <a:sym typeface="Lato"/>
+              </a:rPr>
+              <a:t>:</a:t>
+            </a:r>
+            <a:endParaRPr>
+              <a:solidFill>
+                <a:srgbClr val="FFFFFF"/>
+              </a:solidFill>
+              <a:latin typeface="Lato"/>
+              <a:ea typeface="Lato"/>
+              <a:cs typeface="Lato"/>
+              <a:sym typeface="Lato"/>
+            </a:endParaRPr>
+          </a:p>
+          <a:p>
+            <a:pPr indent="0" lvl="0" marL="0" rtl="0" algn="l">
+              <a:spcBef>
+                <a:spcPts val="0"/>
+              </a:spcBef>
+              <a:spcAft>
+                <a:spcPts val="0"/>
+              </a:spcAft>
+              <a:buNone/>
+            </a:pPr>
+            <a:r>
+              <a:t/>
+            </a:r>
+            <a:endParaRPr>
+              <a:solidFill>
+                <a:srgbClr val="FFFFFF"/>
+              </a:solidFill>
+              <a:latin typeface="Lato"/>
+              <a:ea typeface="Lato"/>
+              <a:cs typeface="Lato"/>
+              <a:sym typeface="Lato"/>
+            </a:endParaRPr>
+          </a:p>
+          <a:p>
+            <a:pPr indent="-317500" lvl="1" marL="914400" rtl="0" algn="l">
+              <a:spcBef>
+                <a:spcPts val="0"/>
+              </a:spcBef>
+              <a:spcAft>
+                <a:spcPts val="0"/>
+              </a:spcAft>
+              <a:buClr>
+                <a:srgbClr val="FFFFFF"/>
+              </a:buClr>
+              <a:buSzPts val="1400"/>
+              <a:buFont typeface="Lato"/>
+              <a:buChar char="-"/>
+            </a:pPr>
+            <a:r>
+              <a:rPr lang="en">
+                <a:solidFill>
+                  <a:srgbClr val="FFFFFF"/>
+                </a:solidFill>
+                <a:latin typeface="Lato"/>
+                <a:ea typeface="Lato"/>
+                <a:cs typeface="Lato"/>
+                <a:sym typeface="Lato"/>
+              </a:rPr>
+              <a:t>Convert Each Tweet to List</a:t>
+            </a:r>
+            <a:endParaRPr>
+              <a:solidFill>
+                <a:srgbClr val="FFFFFF"/>
+              </a:solidFill>
+              <a:latin typeface="Lato"/>
+              <a:ea typeface="Lato"/>
+              <a:cs typeface="Lato"/>
+              <a:sym typeface="Lato"/>
+            </a:endParaRPr>
+          </a:p>
+          <a:p>
+            <a:pPr indent="0" lvl="0" marL="0" rtl="0" algn="l">
+              <a:spcBef>
+                <a:spcPts val="0"/>
+              </a:spcBef>
+              <a:spcAft>
+                <a:spcPts val="0"/>
+              </a:spcAft>
+              <a:buNone/>
+            </a:pPr>
+            <a:r>
+              <a:t/>
+            </a:r>
+            <a:endParaRPr>
+              <a:solidFill>
+                <a:srgbClr val="FFFFFF"/>
+              </a:solidFill>
+              <a:latin typeface="Lato"/>
+              <a:ea typeface="Lato"/>
+              <a:cs typeface="Lato"/>
+              <a:sym typeface="Lato"/>
+            </a:endParaRPr>
+          </a:p>
+          <a:p>
+            <a:pPr indent="-317500" lvl="1" marL="914400" rtl="0" algn="l">
+              <a:spcBef>
+                <a:spcPts val="0"/>
+              </a:spcBef>
+              <a:spcAft>
+                <a:spcPts val="0"/>
+              </a:spcAft>
+              <a:buClr>
+                <a:srgbClr val="FFFFFF"/>
+              </a:buClr>
+              <a:buSzPts val="1400"/>
+              <a:buFont typeface="Lato"/>
+              <a:buChar char="-"/>
+            </a:pPr>
+            <a:r>
+              <a:rPr lang="en">
+                <a:solidFill>
+                  <a:srgbClr val="FFFFFF"/>
+                </a:solidFill>
+                <a:latin typeface="Lato"/>
+                <a:ea typeface="Lato"/>
+                <a:cs typeface="Lato"/>
+                <a:sym typeface="Lato"/>
+              </a:rPr>
+              <a:t>Each List contains Tweet data</a:t>
+            </a:r>
+            <a:endParaRPr>
+              <a:solidFill>
+                <a:srgbClr val="FFFFFF"/>
+              </a:solidFill>
+              <a:latin typeface="Lato"/>
+              <a:ea typeface="Lato"/>
+              <a:cs typeface="Lato"/>
+              <a:sym typeface="Lato"/>
+            </a:endParaRPr>
+          </a:p>
+          <a:p>
+            <a:pPr indent="0" lvl="0" marL="0" rtl="0" algn="l">
+              <a:spcBef>
+                <a:spcPts val="0"/>
+              </a:spcBef>
+              <a:spcAft>
+                <a:spcPts val="0"/>
+              </a:spcAft>
+              <a:buNone/>
+            </a:pPr>
+            <a:r>
+              <a:rPr lang="en">
+                <a:solidFill>
+                  <a:srgbClr val="FFFFFF"/>
+                </a:solidFill>
+                <a:latin typeface="Lato"/>
+                <a:ea typeface="Lato"/>
+                <a:cs typeface="Lato"/>
+                <a:sym typeface="Lato"/>
+              </a:rPr>
+              <a:t>	</a:t>
+            </a:r>
+            <a:endParaRPr>
+              <a:solidFill>
+                <a:srgbClr val="FFFFFF"/>
+              </a:solidFill>
+              <a:latin typeface="Lato"/>
+              <a:ea typeface="Lato"/>
+              <a:cs typeface="Lato"/>
+              <a:sym typeface="Lato"/>
+            </a:endParaRPr>
+          </a:p>
+        </p:txBody>
+      </p:sp>
+      <p:sp>
+        <p:nvSpPr>
+          <p:cNvPr id="196" name="Google Shape;196;p21"/>
+          <p:cNvSpPr txBox="1"/>
+          <p:nvPr/>
+        </p:nvSpPr>
+        <p:spPr>
+          <a:xfrm>
+            <a:off x="5042588" y="3381700"/>
+            <a:ext cx="3671400" cy="1507500"/>
+          </a:xfrm>
+          <a:prstGeom prst="rect">
+            <a:avLst/>
+          </a:prstGeom>
+          <a:noFill/>
+          <a:ln>
+            <a:noFill/>
+          </a:ln>
+        </p:spPr>
+        <p:txBody>
+          <a:bodyPr anchorCtr="0" anchor="t" bIns="91425" lIns="91425" spcFirstLastPara="1" rIns="91425" wrap="square" tIns="91425">
+            <a:noAutofit/>
+          </a:bodyPr>
+          <a:lstStyle/>
+          <a:p>
+            <a:pPr indent="0" lvl="0" marL="0" rtl="0" algn="l">
+              <a:spcBef>
+                <a:spcPts val="0"/>
+              </a:spcBef>
+              <a:spcAft>
+                <a:spcPts val="0"/>
+              </a:spcAft>
+              <a:buNone/>
+            </a:pPr>
+            <a:r>
+              <a:rPr lang="en">
+                <a:solidFill>
+                  <a:srgbClr val="FFFFFF"/>
+                </a:solidFill>
+                <a:latin typeface="Lato"/>
+                <a:ea typeface="Lato"/>
+                <a:cs typeface="Lato"/>
+                <a:sym typeface="Lato"/>
+              </a:rPr>
+              <a:t>TO DO:</a:t>
+            </a:r>
+            <a:endParaRPr>
+              <a:solidFill>
+                <a:srgbClr val="FFFFFF"/>
+              </a:solidFill>
+              <a:latin typeface="Lato"/>
+              <a:ea typeface="Lato"/>
+              <a:cs typeface="Lato"/>
+              <a:sym typeface="Lato"/>
+            </a:endParaRPr>
+          </a:p>
+          <a:p>
+            <a:pPr indent="0" lvl="0" marL="457200" rtl="0" algn="l">
+              <a:spcBef>
+                <a:spcPts val="0"/>
+              </a:spcBef>
+              <a:spcAft>
+                <a:spcPts val="0"/>
+              </a:spcAft>
+              <a:buNone/>
+            </a:pPr>
+            <a:r>
+              <a:t/>
+            </a:r>
+            <a:endParaRPr>
+              <a:solidFill>
+                <a:srgbClr val="FFFFFF"/>
+              </a:solidFill>
+              <a:latin typeface="Lato"/>
+              <a:ea typeface="Lato"/>
+              <a:cs typeface="Lato"/>
+              <a:sym typeface="Lato"/>
+            </a:endParaRPr>
+          </a:p>
+          <a:p>
+            <a:pPr indent="-317500" lvl="0" marL="457200" rtl="0" algn="l">
+              <a:spcBef>
+                <a:spcPts val="0"/>
+              </a:spcBef>
+              <a:spcAft>
+                <a:spcPts val="0"/>
+              </a:spcAft>
+              <a:buClr>
+                <a:srgbClr val="FFFFFF"/>
+              </a:buClr>
+              <a:buSzPts val="1400"/>
+              <a:buFont typeface="Lato"/>
+              <a:buChar char="-"/>
+            </a:pPr>
+            <a:r>
+              <a:rPr lang="en">
+                <a:solidFill>
+                  <a:srgbClr val="FFFFFF"/>
+                </a:solidFill>
+                <a:latin typeface="Lato"/>
+                <a:ea typeface="Lato"/>
+                <a:cs typeface="Lato"/>
+                <a:sym typeface="Lato"/>
+              </a:rPr>
+              <a:t>Implement parsing / storing algorithm as an </a:t>
+            </a:r>
+            <a:r>
+              <a:rPr lang="en">
+                <a:solidFill>
+                  <a:srgbClr val="FFFFFF"/>
+                </a:solidFill>
+                <a:latin typeface="Lato"/>
+                <a:ea typeface="Lato"/>
+                <a:cs typeface="Lato"/>
+                <a:sym typeface="Lato"/>
+              </a:rPr>
+              <a:t>asynchronous</a:t>
+            </a:r>
+            <a:r>
+              <a:rPr lang="en">
+                <a:solidFill>
+                  <a:srgbClr val="FFFFFF"/>
+                </a:solidFill>
+                <a:latin typeface="Lato"/>
+                <a:ea typeface="Lato"/>
+                <a:cs typeface="Lato"/>
+                <a:sym typeface="Lato"/>
+              </a:rPr>
+              <a:t> task</a:t>
+            </a:r>
+            <a:endParaRPr>
+              <a:solidFill>
+                <a:srgbClr val="FFFFFF"/>
+              </a:solidFill>
+              <a:latin typeface="Lato"/>
+              <a:ea typeface="Lato"/>
+              <a:cs typeface="Lato"/>
+              <a:sym typeface="Lato"/>
+            </a:endParaRPr>
+          </a:p>
+          <a:p>
+            <a:pPr indent="0" lvl="0" marL="0" rtl="0" algn="l">
+              <a:spcBef>
+                <a:spcPts val="0"/>
+              </a:spcBef>
+              <a:spcAft>
+                <a:spcPts val="0"/>
+              </a:spcAft>
+              <a:buNone/>
+            </a:pPr>
+            <a:r>
+              <a:t/>
+            </a:r>
+            <a:endParaRPr>
+              <a:solidFill>
+                <a:srgbClr val="FFFFFF"/>
+              </a:solidFill>
+              <a:latin typeface="Lato"/>
+              <a:ea typeface="Lato"/>
+              <a:cs typeface="Lato"/>
+              <a:sym typeface="Lato"/>
+            </a:endParaRPr>
+          </a:p>
+          <a:p>
+            <a:pPr indent="-317500" lvl="0" marL="457200" rtl="0" algn="l">
+              <a:spcBef>
+                <a:spcPts val="0"/>
+              </a:spcBef>
+              <a:spcAft>
+                <a:spcPts val="0"/>
+              </a:spcAft>
+              <a:buClr>
+                <a:srgbClr val="FFFFFF"/>
+              </a:buClr>
+              <a:buSzPts val="1400"/>
+              <a:buFont typeface="Lato"/>
+              <a:buChar char="-"/>
+            </a:pPr>
+            <a:r>
+              <a:rPr lang="en">
+                <a:solidFill>
+                  <a:srgbClr val="FFFFFF"/>
+                </a:solidFill>
+                <a:latin typeface="Lato"/>
+                <a:ea typeface="Lato"/>
+                <a:cs typeface="Lato"/>
+                <a:sym typeface="Lato"/>
+              </a:rPr>
+              <a:t>Connect to Study Model</a:t>
+            </a:r>
+            <a:endParaRPr>
+              <a:solidFill>
+                <a:srgbClr val="FFFFFF"/>
+              </a:solidFill>
+              <a:latin typeface="Lato"/>
+              <a:ea typeface="Lato"/>
+              <a:cs typeface="Lato"/>
+              <a:sym typeface="Lato"/>
+            </a:endParaRPr>
+          </a:p>
+        </p:txBody>
+      </p:sp>
     </p:spTree>
   </p:cSld>
   <p:clrMapOvr>

--- a/documentation/slides/PresentationMar28.pptx
+++ b/documentation/slides/PresentationMar28.pptx
@@ -21,6 +21,7 @@
     <p:sldId id="266" r:id="rId15"/>
     <p:sldId id="267" r:id="rId16"/>
     <p:sldId id="268" r:id="rId17"/>
+    <p:sldId id="269" r:id="rId18"/>
   </p:sldIdLst>
   <p:sldSz cy="5143500" cx="9144000"/>
   <p:notesSz cx="6858000" cy="9144000"/>
@@ -798,7 +799,7 @@
       </p:grpSpPr>
       <p:sp>
         <p:nvSpPr>
-          <p:cNvPr id="198" name="Google Shape;198;g546129fa56_1_10:notes"/>
+          <p:cNvPr id="198" name="Google Shape;198;g5547313be6_2_0:notes"/>
           <p:cNvSpPr/>
           <p:nvPr>
             <p:ph idx="2" type="sldImg"/>
@@ -833,7 +834,7 @@
       </p:sp>
       <p:sp>
         <p:nvSpPr>
-          <p:cNvPr id="199" name="Google Shape;199;g546129fa56_1_10:notes"/>
+          <p:cNvPr id="199" name="Google Shape;199;g5547313be6_2_0:notes"/>
           <p:cNvSpPr txBox="1"/>
           <p:nvPr>
             <p:ph idx="1" type="body"/>
@@ -883,7 +884,7 @@
   <p:cSld>
     <p:spTree>
       <p:nvGrpSpPr>
-        <p:cNvPr id="204" name="Shape 204"/>
+        <p:cNvPr id="203" name="Shape 203"/>
         <p:cNvGrpSpPr/>
         <p:nvPr/>
       </p:nvGrpSpPr>
@@ -897,7 +898,7 @@
       </p:grpSpPr>
       <p:sp>
         <p:nvSpPr>
-          <p:cNvPr id="205" name="Google Shape;205;g4e9aba5072_0_5:notes"/>
+          <p:cNvPr id="204" name="Google Shape;204;g546129fa56_1_10:notes"/>
           <p:cNvSpPr/>
           <p:nvPr>
             <p:ph idx="2" type="sldImg"/>
@@ -932,7 +933,7 @@
       </p:sp>
       <p:sp>
         <p:nvSpPr>
-          <p:cNvPr id="206" name="Google Shape;206;g4e9aba5072_0_5:notes"/>
+          <p:cNvPr id="205" name="Google Shape;205;g546129fa56_1_10:notes"/>
           <p:cNvSpPr txBox="1"/>
           <p:nvPr>
             <p:ph idx="1" type="body"/>
@@ -963,8 +964,7 @@
               <a:buNone/>
             </a:pPr>
             <a:r>
-              <a:rPr lang="en"/>
-              <a:t>Patti</a:t>
+              <a:t/>
             </a:r>
             <a:endParaRPr/>
           </a:p>
@@ -983,7 +983,7 @@
   <p:cSld>
     <p:spTree>
       <p:nvGrpSpPr>
-        <p:cNvPr id="213" name="Shape 213"/>
+        <p:cNvPr id="210" name="Shape 210"/>
         <p:cNvGrpSpPr/>
         <p:nvPr/>
       </p:nvGrpSpPr>
@@ -997,7 +997,7 @@
       </p:grpSpPr>
       <p:sp>
         <p:nvSpPr>
-          <p:cNvPr id="214" name="Google Shape;214;g54927e6baa_0_0:notes"/>
+          <p:cNvPr id="211" name="Google Shape;211;g4e9aba5072_0_5:notes"/>
           <p:cNvSpPr/>
           <p:nvPr>
             <p:ph idx="2" type="sldImg"/>
@@ -1032,7 +1032,7 @@
       </p:sp>
       <p:sp>
         <p:nvSpPr>
-          <p:cNvPr id="215" name="Google Shape;215;g54927e6baa_0_0:notes"/>
+          <p:cNvPr id="212" name="Google Shape;212;g4e9aba5072_0_5:notes"/>
           <p:cNvSpPr txBox="1"/>
           <p:nvPr>
             <p:ph idx="1" type="body"/>
@@ -1063,7 +1063,8 @@
               <a:buNone/>
             </a:pPr>
             <a:r>
-              <a:t/>
+              <a:rPr lang="en"/>
+              <a:t>Patti</a:t>
             </a:r>
             <a:endParaRPr/>
           </a:p>
@@ -1082,7 +1083,7 @@
   <p:cSld>
     <p:spTree>
       <p:nvGrpSpPr>
-        <p:cNvPr id="222" name="Shape 222"/>
+        <p:cNvPr id="219" name="Shape 219"/>
         <p:cNvGrpSpPr/>
         <p:nvPr/>
       </p:nvGrpSpPr>
@@ -1096,7 +1097,7 @@
       </p:grpSpPr>
       <p:sp>
         <p:nvSpPr>
-          <p:cNvPr id="223" name="Google Shape;223;g5218d689bc_3_4:notes"/>
+          <p:cNvPr id="220" name="Google Shape;220;g54927e6baa_0_0:notes"/>
           <p:cNvSpPr/>
           <p:nvPr>
             <p:ph idx="2" type="sldImg"/>
@@ -1131,7 +1132,106 @@
       </p:sp>
       <p:sp>
         <p:nvSpPr>
-          <p:cNvPr id="224" name="Google Shape;224;g5218d689bc_3_4:notes"/>
+          <p:cNvPr id="221" name="Google Shape;221;g54927e6baa_0_0:notes"/>
+          <p:cNvSpPr txBox="1"/>
+          <p:nvPr>
+            <p:ph idx="1" type="body"/>
+          </p:nvPr>
+        </p:nvSpPr>
+        <p:spPr>
+          <a:xfrm>
+            <a:off x="685800" y="4343400"/>
+            <a:ext cx="5486400" cy="4114800"/>
+          </a:xfrm>
+          <a:prstGeom prst="rect">
+            <a:avLst/>
+          </a:prstGeom>
+        </p:spPr>
+        <p:txBody>
+          <a:bodyPr anchorCtr="0" anchor="t" bIns="91425" lIns="91425" spcFirstLastPara="1" rIns="91425" wrap="square" tIns="91425">
+            <a:noAutofit/>
+          </a:bodyPr>
+          <a:lstStyle/>
+          <a:p>
+            <a:pPr indent="0" lvl="0" marL="0" rtl="0" algn="l">
+              <a:spcBef>
+                <a:spcPts val="0"/>
+              </a:spcBef>
+              <a:spcAft>
+                <a:spcPts val="0"/>
+              </a:spcAft>
+              <a:buNone/>
+            </a:pPr>
+            <a:r>
+              <a:t/>
+            </a:r>
+            <a:endParaRPr/>
+          </a:p>
+        </p:txBody>
+      </p:sp>
+    </p:spTree>
+  </p:cSld>
+  <p:clrMapOvr>
+    <a:masterClrMapping/>
+  </p:clrMapOvr>
+</p:notes>
+</file>
+
+<file path=ppt/notesSlides/notesSlide14.xml><?xml version="1.0" encoding="utf-8"?>
+<p:notes xmlns:a="http://schemas.openxmlformats.org/drawingml/2006/main" xmlns:r="http://schemas.openxmlformats.org/officeDocument/2006/relationships" xmlns:mc="http://schemas.openxmlformats.org/markup-compatibility/2006" xmlns:mv="urn:schemas-microsoft-com:mac:vml" xmlns:p="http://schemas.openxmlformats.org/presentationml/2006/main" xmlns:c="http://schemas.openxmlformats.org/drawingml/2006/chart" xmlns:dgm="http://schemas.openxmlformats.org/drawingml/2006/diagram" xmlns:o="urn:schemas-microsoft-com:office:office" xmlns:v="urn:schemas-microsoft-com:vml" xmlns:pvml="urn:schemas-microsoft-com:office:powerpoint" xmlns:com="http://schemas.openxmlformats.org/drawingml/2006/compatibility" xmlns:p14="http://schemas.microsoft.com/office/powerpoint/2010/main" xmlns:p15="http://schemas.microsoft.com/office/powerpoint/2012/main" showMasterPhAnim="0" showMasterSp="0">
+  <p:cSld>
+    <p:spTree>
+      <p:nvGrpSpPr>
+        <p:cNvPr id="228" name="Shape 228"/>
+        <p:cNvGrpSpPr/>
+        <p:nvPr/>
+      </p:nvGrpSpPr>
+      <p:grpSpPr>
+        <a:xfrm>
+          <a:off x="0" y="0"/>
+          <a:ext cx="0" cy="0"/>
+          <a:chOff x="0" y="0"/>
+          <a:chExt cx="0" cy="0"/>
+        </a:xfrm>
+      </p:grpSpPr>
+      <p:sp>
+        <p:nvSpPr>
+          <p:cNvPr id="229" name="Google Shape;229;g5218d689bc_3_4:notes"/>
+          <p:cNvSpPr/>
+          <p:nvPr>
+            <p:ph idx="2" type="sldImg"/>
+          </p:nvPr>
+        </p:nvSpPr>
+        <p:spPr>
+          <a:xfrm>
+            <a:off x="381300" y="685800"/>
+            <a:ext cx="6096000" cy="3429000"/>
+          </a:xfrm>
+          <a:custGeom>
+            <a:rect b="b" l="l" r="r" t="t"/>
+            <a:pathLst>
+              <a:path extrusionOk="0" h="120000" w="120000">
+                <a:moveTo>
+                  <a:pt x="0" y="0"/>
+                </a:moveTo>
+                <a:lnTo>
+                  <a:pt x="120000" y="0"/>
+                </a:lnTo>
+                <a:lnTo>
+                  <a:pt x="120000" y="120000"/>
+                </a:lnTo>
+                <a:lnTo>
+                  <a:pt x="0" y="120000"/>
+                </a:lnTo>
+                <a:close/>
+              </a:path>
+            </a:pathLst>
+          </a:custGeom>
+        </p:spPr>
+      </p:sp>
+      <p:sp>
+        <p:nvSpPr>
+          <p:cNvPr id="230" name="Google Shape;230;g5218d689bc_3_4:notes"/>
           <p:cNvSpPr txBox="1"/>
           <p:nvPr>
             <p:ph idx="1" type="body"/>
@@ -10281,6 +10381,179 @@
             </a:pPr>
             <a:r>
               <a:rPr lang="en"/>
+              <a:t>Study Database</a:t>
+            </a:r>
+            <a:endParaRPr/>
+          </a:p>
+        </p:txBody>
+      </p:sp>
+      <p:sp>
+        <p:nvSpPr>
+          <p:cNvPr id="202" name="Google Shape;202;p22"/>
+          <p:cNvSpPr txBox="1"/>
+          <p:nvPr>
+            <p:ph idx="1" type="body"/>
+          </p:nvPr>
+        </p:nvSpPr>
+        <p:spPr>
+          <a:xfrm>
+            <a:off x="1297500" y="1567550"/>
+            <a:ext cx="7038900" cy="2911200"/>
+          </a:xfrm>
+          <a:prstGeom prst="rect">
+            <a:avLst/>
+          </a:prstGeom>
+        </p:spPr>
+        <p:txBody>
+          <a:bodyPr anchorCtr="0" anchor="t" bIns="91425" lIns="91425" spcFirstLastPara="1" rIns="91425" wrap="square" tIns="91425">
+            <a:noAutofit/>
+          </a:bodyPr>
+          <a:lstStyle/>
+          <a:p>
+            <a:pPr indent="-317500" lvl="0" marL="457200" rtl="0" algn="l">
+              <a:spcBef>
+                <a:spcPts val="0"/>
+              </a:spcBef>
+              <a:spcAft>
+                <a:spcPts val="0"/>
+              </a:spcAft>
+              <a:buSzPts val="1400"/>
+              <a:buChar char="●"/>
+            </a:pPr>
+            <a:r>
+              <a:rPr lang="en" sz="1400"/>
+              <a:t>Now stores tweets that are directly associated with the user and study that they belong to</a:t>
+            </a:r>
+            <a:br>
+              <a:rPr lang="en" sz="1400"/>
+            </a:br>
+            <a:endParaRPr sz="1400"/>
+          </a:p>
+          <a:p>
+            <a:pPr indent="-317500" lvl="0" marL="457200" rtl="0" algn="l">
+              <a:spcBef>
+                <a:spcPts val="0"/>
+              </a:spcBef>
+              <a:spcAft>
+                <a:spcPts val="0"/>
+              </a:spcAft>
+              <a:buSzPts val="1400"/>
+              <a:buChar char="●"/>
+            </a:pPr>
+            <a:r>
+              <a:rPr lang="en" sz="1400"/>
+              <a:t>Users can view their previous studies</a:t>
+            </a:r>
+            <a:br>
+              <a:rPr lang="en" sz="1400"/>
+            </a:br>
+            <a:br>
+              <a:rPr lang="en" sz="1400"/>
+            </a:br>
+            <a:r>
+              <a:rPr lang="en" sz="1800"/>
+              <a:t>TODO</a:t>
+            </a:r>
+            <a:endParaRPr sz="1800"/>
+          </a:p>
+          <a:p>
+            <a:pPr indent="-317500" lvl="0" marL="457200" rtl="0" algn="l">
+              <a:spcBef>
+                <a:spcPts val="0"/>
+              </a:spcBef>
+              <a:spcAft>
+                <a:spcPts val="0"/>
+              </a:spcAft>
+              <a:buSzPts val="1400"/>
+              <a:buChar char="●"/>
+            </a:pPr>
+            <a:r>
+              <a:rPr lang="en" sz="1400"/>
+              <a:t>Add more fields</a:t>
+            </a:r>
+            <a:br>
+              <a:rPr lang="en" sz="1400"/>
+            </a:br>
+            <a:endParaRPr sz="1400"/>
+          </a:p>
+          <a:p>
+            <a:pPr indent="-317500" lvl="0" marL="457200" rtl="0" algn="l">
+              <a:spcBef>
+                <a:spcPts val="0"/>
+              </a:spcBef>
+              <a:spcAft>
+                <a:spcPts val="0"/>
+              </a:spcAft>
+              <a:buSzPts val="1400"/>
+              <a:buChar char="●"/>
+            </a:pPr>
+            <a:r>
+              <a:rPr lang="en" sz="1400"/>
+              <a:t>Allow users to interact with previous studies and perform new analysis on them</a:t>
+            </a:r>
+            <a:endParaRPr sz="1400"/>
+          </a:p>
+        </p:txBody>
+      </p:sp>
+    </p:spTree>
+  </p:cSld>
+  <p:clrMapOvr>
+    <a:masterClrMapping/>
+  </p:clrMapOvr>
+</p:sld>
+</file>
+
+<file path=ppt/slides/slide11.xml><?xml version="1.0" encoding="utf-8"?>
+<p:sld xmlns:a="http://schemas.openxmlformats.org/drawingml/2006/main" xmlns:r="http://schemas.openxmlformats.org/officeDocument/2006/relationships" xmlns:mc="http://schemas.openxmlformats.org/markup-compatibility/2006" xmlns:mv="urn:schemas-microsoft-com:mac:vml" xmlns:p="http://schemas.openxmlformats.org/presentationml/2006/main" xmlns:c="http://schemas.openxmlformats.org/drawingml/2006/chart" xmlns:dgm="http://schemas.openxmlformats.org/drawingml/2006/diagram" xmlns:o="urn:schemas-microsoft-com:office:office" xmlns:v="urn:schemas-microsoft-com:vml" xmlns:pvml="urn:schemas-microsoft-com:office:powerpoint" xmlns:com="http://schemas.openxmlformats.org/drawingml/2006/compatibility" xmlns:p14="http://schemas.microsoft.com/office/powerpoint/2010/main" xmlns:p15="http://schemas.microsoft.com/office/powerpoint/2012/main">
+  <p:cSld>
+    <p:spTree>
+      <p:nvGrpSpPr>
+        <p:cNvPr id="206" name="Shape 206"/>
+        <p:cNvGrpSpPr/>
+        <p:nvPr/>
+      </p:nvGrpSpPr>
+      <p:grpSpPr>
+        <a:xfrm>
+          <a:off x="0" y="0"/>
+          <a:ext cx="0" cy="0"/>
+          <a:chOff x="0" y="0"/>
+          <a:chExt cx="0" cy="0"/>
+        </a:xfrm>
+      </p:grpSpPr>
+      <p:sp>
+        <p:nvSpPr>
+          <p:cNvPr id="207" name="Google Shape;207;p23"/>
+          <p:cNvSpPr txBox="1"/>
+          <p:nvPr>
+            <p:ph type="title"/>
+          </p:nvPr>
+        </p:nvSpPr>
+        <p:spPr>
+          <a:xfrm>
+            <a:off x="1297500" y="393750"/>
+            <a:ext cx="7038900" cy="914100"/>
+          </a:xfrm>
+          <a:prstGeom prst="rect">
+            <a:avLst/>
+          </a:prstGeom>
+        </p:spPr>
+        <p:txBody>
+          <a:bodyPr anchorCtr="0" anchor="t" bIns="91425" lIns="91425" spcFirstLastPara="1" rIns="91425" wrap="square" tIns="91425">
+            <a:noAutofit/>
+          </a:bodyPr>
+          <a:lstStyle/>
+          <a:p>
+            <a:pPr indent="0" lvl="0" marL="0" rtl="0" algn="l">
+              <a:spcBef>
+                <a:spcPts val="0"/>
+              </a:spcBef>
+              <a:spcAft>
+                <a:spcPts val="0"/>
+              </a:spcAft>
+              <a:buNone/>
+            </a:pPr>
+            <a:r>
+              <a:rPr lang="en"/>
               <a:t>We’ve gone public!</a:t>
             </a:r>
             <a:endParaRPr/>
@@ -10289,7 +10562,7 @@
       </p:sp>
       <p:sp>
         <p:nvSpPr>
-          <p:cNvPr id="202" name="Google Shape;202;p22"/>
+          <p:cNvPr id="208" name="Google Shape;208;p23"/>
           <p:cNvSpPr txBox="1"/>
           <p:nvPr>
             <p:ph idx="1" type="body"/>
@@ -10391,7 +10664,7 @@
       </p:sp>
       <p:pic>
         <p:nvPicPr>
-          <p:cNvPr id="203" name="Google Shape;203;p22"/>
+          <p:cNvPr id="209" name="Google Shape;209;p23"/>
           <p:cNvPicPr preferRelativeResize="0"/>
           <p:nvPr/>
         </p:nvPicPr>
@@ -10425,12 +10698,12 @@
 </p:sld>
 </file>
 
-<file path=ppt/slides/slide11.xml><?xml version="1.0" encoding="utf-8"?>
+<file path=ppt/slides/slide12.xml><?xml version="1.0" encoding="utf-8"?>
 <p:sld xmlns:a="http://schemas.openxmlformats.org/drawingml/2006/main" xmlns:r="http://schemas.openxmlformats.org/officeDocument/2006/relationships" xmlns:mc="http://schemas.openxmlformats.org/markup-compatibility/2006" xmlns:mv="urn:schemas-microsoft-com:mac:vml" xmlns:p="http://schemas.openxmlformats.org/presentationml/2006/main" xmlns:c="http://schemas.openxmlformats.org/drawingml/2006/chart" xmlns:dgm="http://schemas.openxmlformats.org/drawingml/2006/diagram" xmlns:o="urn:schemas-microsoft-com:office:office" xmlns:v="urn:schemas-microsoft-com:vml" xmlns:pvml="urn:schemas-microsoft-com:office:powerpoint" xmlns:com="http://schemas.openxmlformats.org/drawingml/2006/compatibility" xmlns:p14="http://schemas.microsoft.com/office/powerpoint/2010/main" xmlns:p15="http://schemas.microsoft.com/office/powerpoint/2012/main">
   <p:cSld>
     <p:spTree>
       <p:nvGrpSpPr>
-        <p:cNvPr id="207" name="Shape 207"/>
+        <p:cNvPr id="213" name="Shape 213"/>
         <p:cNvGrpSpPr/>
         <p:nvPr/>
       </p:nvGrpSpPr>
@@ -10444,7 +10717,7 @@
       </p:grpSpPr>
       <p:sp>
         <p:nvSpPr>
-          <p:cNvPr id="208" name="Google Shape;208;p23"/>
+          <p:cNvPr id="214" name="Google Shape;214;p24"/>
           <p:cNvSpPr txBox="1"/>
           <p:nvPr>
             <p:ph type="title"/>
@@ -10484,7 +10757,7 @@
       </p:sp>
       <p:sp>
         <p:nvSpPr>
-          <p:cNvPr id="209" name="Google Shape;209;p23"/>
+          <p:cNvPr id="215" name="Google Shape;215;p24"/>
           <p:cNvSpPr txBox="1"/>
           <p:nvPr>
             <p:ph idx="1" type="body"/>
@@ -10524,7 +10797,7 @@
       </p:sp>
       <p:pic>
         <p:nvPicPr>
-          <p:cNvPr id="210" name="Google Shape;210;p23"/>
+          <p:cNvPr id="216" name="Google Shape;216;p24"/>
           <p:cNvPicPr preferRelativeResize="0"/>
           <p:nvPr/>
         </p:nvPicPr>
@@ -10552,7 +10825,7 @@
       </p:pic>
       <p:pic>
         <p:nvPicPr>
-          <p:cNvPr id="211" name="Google Shape;211;p23"/>
+          <p:cNvPr id="217" name="Google Shape;217;p24"/>
           <p:cNvPicPr preferRelativeResize="0"/>
           <p:nvPr/>
         </p:nvPicPr>
@@ -10580,7 +10853,7 @@
       </p:pic>
       <p:pic>
         <p:nvPicPr>
-          <p:cNvPr id="212" name="Google Shape;212;p23"/>
+          <p:cNvPr id="218" name="Google Shape;218;p24"/>
           <p:cNvPicPr preferRelativeResize="0"/>
           <p:nvPr/>
         </p:nvPicPr>
@@ -10614,12 +10887,12 @@
 </p:sld>
 </file>
 
-<file path=ppt/slides/slide12.xml><?xml version="1.0" encoding="utf-8"?>
+<file path=ppt/slides/slide13.xml><?xml version="1.0" encoding="utf-8"?>
 <p:sld xmlns:a="http://schemas.openxmlformats.org/drawingml/2006/main" xmlns:r="http://schemas.openxmlformats.org/officeDocument/2006/relationships" xmlns:mc="http://schemas.openxmlformats.org/markup-compatibility/2006" xmlns:mv="urn:schemas-microsoft-com:mac:vml" xmlns:p="http://schemas.openxmlformats.org/presentationml/2006/main" xmlns:c="http://schemas.openxmlformats.org/drawingml/2006/chart" xmlns:dgm="http://schemas.openxmlformats.org/drawingml/2006/diagram" xmlns:o="urn:schemas-microsoft-com:office:office" xmlns:v="urn:schemas-microsoft-com:vml" xmlns:pvml="urn:schemas-microsoft-com:office:powerpoint" xmlns:com="http://schemas.openxmlformats.org/drawingml/2006/compatibility" xmlns:p14="http://schemas.microsoft.com/office/powerpoint/2010/main" xmlns:p15="http://schemas.microsoft.com/office/powerpoint/2012/main">
   <p:cSld>
     <p:spTree>
       <p:nvGrpSpPr>
-        <p:cNvPr id="216" name="Shape 216"/>
+        <p:cNvPr id="222" name="Shape 222"/>
         <p:cNvGrpSpPr/>
         <p:nvPr/>
       </p:nvGrpSpPr>
@@ -10633,7 +10906,7 @@
       </p:grpSpPr>
       <p:sp>
         <p:nvSpPr>
-          <p:cNvPr id="217" name="Google Shape;217;p24"/>
+          <p:cNvPr id="223" name="Google Shape;223;p25"/>
           <p:cNvSpPr txBox="1"/>
           <p:nvPr>
             <p:ph type="title"/>
@@ -10688,7 +10961,7 @@
       </p:sp>
       <p:sp>
         <p:nvSpPr>
-          <p:cNvPr id="218" name="Google Shape;218;p24"/>
+          <p:cNvPr id="224" name="Google Shape;224;p25"/>
           <p:cNvSpPr txBox="1"/>
           <p:nvPr>
             <p:ph idx="1" type="body"/>
@@ -10728,7 +11001,7 @@
       </p:sp>
       <p:pic>
         <p:nvPicPr>
-          <p:cNvPr id="219" name="Google Shape;219;p24"/>
+          <p:cNvPr id="225" name="Google Shape;225;p25"/>
           <p:cNvPicPr preferRelativeResize="0"/>
           <p:nvPr/>
         </p:nvPicPr>
@@ -10756,7 +11029,7 @@
       </p:pic>
       <p:pic>
         <p:nvPicPr>
-          <p:cNvPr id="220" name="Google Shape;220;p24"/>
+          <p:cNvPr id="226" name="Google Shape;226;p25"/>
           <p:cNvPicPr preferRelativeResize="0"/>
           <p:nvPr/>
         </p:nvPicPr>
@@ -10784,7 +11057,7 @@
       </p:pic>
       <p:pic>
         <p:nvPicPr>
-          <p:cNvPr id="221" name="Google Shape;221;p24"/>
+          <p:cNvPr id="227" name="Google Shape;227;p25"/>
           <p:cNvPicPr preferRelativeResize="0"/>
           <p:nvPr/>
         </p:nvPicPr>
@@ -10818,12 +11091,12 @@
 </p:sld>
 </file>
 
-<file path=ppt/slides/slide13.xml><?xml version="1.0" encoding="utf-8"?>
+<file path=ppt/slides/slide14.xml><?xml version="1.0" encoding="utf-8"?>
 <p:sld xmlns:a="http://schemas.openxmlformats.org/drawingml/2006/main" xmlns:r="http://schemas.openxmlformats.org/officeDocument/2006/relationships" xmlns:mc="http://schemas.openxmlformats.org/markup-compatibility/2006" xmlns:mv="urn:schemas-microsoft-com:mac:vml" xmlns:p="http://schemas.openxmlformats.org/presentationml/2006/main" xmlns:c="http://schemas.openxmlformats.org/drawingml/2006/chart" xmlns:dgm="http://schemas.openxmlformats.org/drawingml/2006/diagram" xmlns:o="urn:schemas-microsoft-com:office:office" xmlns:v="urn:schemas-microsoft-com:vml" xmlns:pvml="urn:schemas-microsoft-com:office:powerpoint" xmlns:com="http://schemas.openxmlformats.org/drawingml/2006/compatibility" xmlns:p14="http://schemas.microsoft.com/office/powerpoint/2010/main" xmlns:p15="http://schemas.microsoft.com/office/powerpoint/2012/main">
   <p:cSld>
     <p:spTree>
       <p:nvGrpSpPr>
-        <p:cNvPr id="225" name="Shape 225"/>
+        <p:cNvPr id="231" name="Shape 231"/>
         <p:cNvGrpSpPr/>
         <p:nvPr/>
       </p:nvGrpSpPr>
@@ -10837,7 +11110,7 @@
       </p:grpSpPr>
       <p:sp>
         <p:nvSpPr>
-          <p:cNvPr id="226" name="Google Shape;226;p25"/>
+          <p:cNvPr id="232" name="Google Shape;232;p26"/>
           <p:cNvSpPr txBox="1"/>
           <p:nvPr>
             <p:ph type="title"/>
@@ -10877,7 +11150,7 @@
       </p:sp>
       <p:sp>
         <p:nvSpPr>
-          <p:cNvPr id="227" name="Google Shape;227;p25"/>
+          <p:cNvPr id="233" name="Google Shape;233;p26"/>
           <p:cNvSpPr txBox="1"/>
           <p:nvPr>
             <p:ph idx="1" type="body"/>
@@ -11049,7 +11322,7 @@
       </p:sp>
       <p:sp>
         <p:nvSpPr>
-          <p:cNvPr id="228" name="Google Shape;228;p25"/>
+          <p:cNvPr id="234" name="Google Shape;234;p26"/>
           <p:cNvSpPr txBox="1"/>
           <p:nvPr/>
         </p:nvSpPr>
@@ -12287,7 +12560,7 @@
         <p:spPr>
           <a:xfrm>
             <a:off x="1297500" y="393750"/>
-            <a:ext cx="7038900" cy="914100"/>
+            <a:ext cx="4868700" cy="654300"/>
           </a:xfrm>
           <a:prstGeom prst="rect">
             <a:avLst/>
@@ -12326,8 +12599,8 @@
         </p:nvSpPr>
         <p:spPr>
           <a:xfrm>
-            <a:off x="1297500" y="1567550"/>
-            <a:ext cx="7038900" cy="2911200"/>
+            <a:off x="1297500" y="1668438"/>
+            <a:ext cx="3323100" cy="2551500"/>
           </a:xfrm>
           <a:prstGeom prst="rect">
             <a:avLst/>
@@ -12339,25 +12612,9 @@
           </a:bodyPr>
           <a:lstStyle/>
           <a:p>
-            <a:pPr indent="0" lvl="0" marL="457200" rtl="0" algn="l">
-              <a:spcBef>
-                <a:spcPts val="0"/>
-              </a:spcBef>
-              <a:spcAft>
-                <a:spcPts val="0"/>
-              </a:spcAft>
-              <a:buNone/>
-            </a:pPr>
-            <a:r>
-              <a:rPr lang="en"/>
-              <a:t>Working:</a:t>
-            </a:r>
-            <a:endParaRPr/>
-          </a:p>
-          <a:p>
             <a:pPr indent="-311150" lvl="0" marL="457200" rtl="0" algn="l">
               <a:spcBef>
-                <a:spcPts val="1600"/>
+                <a:spcPts val="0"/>
               </a:spcBef>
               <a:spcAft>
                 <a:spcPts val="0"/>
@@ -12372,9 +12629,24 @@
             <a:endParaRPr/>
           </a:p>
           <a:p>
+            <a:pPr indent="0" lvl="0" marL="457200" rtl="0" algn="l">
+              <a:spcBef>
+                <a:spcPts val="1600"/>
+              </a:spcBef>
+              <a:spcAft>
+                <a:spcPts val="0"/>
+              </a:spcAft>
+              <a:buNone/>
+            </a:pPr>
+            <a:r>
+              <a:t/>
+            </a:r>
+            <a:endParaRPr/>
+          </a:p>
+          <a:p>
             <a:pPr indent="-311150" lvl="0" marL="457200" rtl="0" algn="l">
               <a:spcBef>
-                <a:spcPts val="0"/>
+                <a:spcPts val="1600"/>
               </a:spcBef>
               <a:spcAft>
                 <a:spcPts val="0"/>
@@ -12399,8 +12671,7 @@
               <a:buNone/>
             </a:pPr>
             <a:r>
-              <a:rPr lang="en"/>
-              <a:t>Not Working:</a:t>
+              <a:t/>
             </a:r>
             <a:endParaRPr/>
           </a:p>
@@ -12417,7 +12688,22 @@
             </a:pPr>
             <a:r>
               <a:rPr lang="en"/>
-              <a:t>Difficulties Storing Tweet Data</a:t>
+              <a:t>Connected MassMine output to Query page</a:t>
+            </a:r>
+            <a:endParaRPr/>
+          </a:p>
+          <a:p>
+            <a:pPr indent="0" lvl="0" marL="914400" rtl="0" algn="l">
+              <a:spcBef>
+                <a:spcPts val="1600"/>
+              </a:spcBef>
+              <a:spcAft>
+                <a:spcPts val="1600"/>
+              </a:spcAft>
+              <a:buNone/>
+            </a:pPr>
+            <a:r>
+              <a:t/>
             </a:r>
             <a:endParaRPr/>
           </a:p>
@@ -12487,7 +12773,7 @@
         <p:spPr>
           <a:xfrm>
             <a:off x="1297500" y="393750"/>
-            <a:ext cx="7038900" cy="914100"/>
+            <a:ext cx="5772300" cy="914100"/>
           </a:xfrm>
           <a:prstGeom prst="rect">
             <a:avLst/>
@@ -12510,50 +12796,22 @@
             </a:pPr>
             <a:r>
               <a:rPr lang="en"/>
-              <a:t>Parsing JSON data from MassMine</a:t>
+              <a:t>Getting Data from MassMine to DB</a:t>
             </a:r>
             <a:endParaRPr/>
           </a:p>
         </p:txBody>
       </p:sp>
-      <p:pic>
-        <p:nvPicPr>
-          <p:cNvPr id="194" name="Google Shape;194;p21"/>
-          <p:cNvPicPr preferRelativeResize="0"/>
-          <p:nvPr/>
-        </p:nvPicPr>
-        <p:blipFill>
-          <a:blip r:embed="rId3">
-            <a:alphaModFix/>
-          </a:blip>
-          <a:stretch>
-            <a:fillRect/>
-          </a:stretch>
-        </p:blipFill>
-        <p:spPr>
-          <a:xfrm>
-            <a:off x="5071763" y="1028700"/>
-            <a:ext cx="3613075" cy="2200125"/>
-          </a:xfrm>
-          <a:prstGeom prst="rect">
-            <a:avLst/>
-          </a:prstGeom>
-          <a:noFill/>
-          <a:ln>
-            <a:noFill/>
-          </a:ln>
-        </p:spPr>
-      </p:pic>
       <p:sp>
         <p:nvSpPr>
-          <p:cNvPr id="195" name="Google Shape;195;p21"/>
+          <p:cNvPr id="194" name="Google Shape;194;p21"/>
           <p:cNvSpPr txBox="1"/>
           <p:nvPr/>
         </p:nvSpPr>
         <p:spPr>
           <a:xfrm>
-            <a:off x="1028700" y="1028700"/>
-            <a:ext cx="3298800" cy="3819300"/>
+            <a:off x="1028700" y="1307850"/>
+            <a:ext cx="2796300" cy="3366300"/>
           </a:xfrm>
           <a:prstGeom prst="rect">
             <a:avLst/>
@@ -12592,32 +12850,15 @@
             </a:endParaRPr>
           </a:p>
           <a:p>
-            <a:pPr indent="-317500" lvl="0" marL="457200" rtl="0" algn="l">
-              <a:spcBef>
-                <a:spcPts val="0"/>
-              </a:spcBef>
-              <a:spcAft>
-                <a:spcPts val="0"/>
-              </a:spcAft>
-              <a:buClr>
-                <a:srgbClr val="FFFFFF"/>
-              </a:buClr>
-              <a:buSzPts val="1400"/>
-              <a:buFont typeface="Lato"/>
-              <a:buChar char="-"/>
+            <a:pPr indent="457200" lvl="0" marL="0" rtl="0" algn="l">
+              <a:spcBef>
+                <a:spcPts val="0"/>
+              </a:spcBef>
+              <a:spcAft>
+                <a:spcPts val="0"/>
+              </a:spcAft>
+              <a:buNone/>
             </a:pPr>
-            <a:r>
-              <a:rPr b="1" lang="en">
-                <a:solidFill>
-                  <a:srgbClr val="FFFFFF"/>
-                </a:solidFill>
-                <a:latin typeface="Lato"/>
-                <a:ea typeface="Lato"/>
-                <a:cs typeface="Lato"/>
-                <a:sym typeface="Lato"/>
-              </a:rPr>
-              <a:t>Ideal</a:t>
-            </a:r>
             <a:r>
               <a:rPr lang="en">
                 <a:solidFill>
@@ -12628,7 +12869,7 @@
                 <a:cs typeface="Lato"/>
                 <a:sym typeface="Lato"/>
               </a:rPr>
-              <a:t>: </a:t>
+              <a:t>COMPLETED: </a:t>
             </a:r>
             <a:endParaRPr>
               <a:solidFill>
@@ -12664,7 +12905,30 @@
             </a:endParaRPr>
           </a:p>
           <a:p>
-            <a:pPr indent="-317500" lvl="1" marL="914400" rtl="0" algn="l">
+            <a:pPr indent="0" lvl="0" marL="457200" rtl="0" algn="l">
+              <a:spcBef>
+                <a:spcPts val="0"/>
+              </a:spcBef>
+              <a:spcAft>
+                <a:spcPts val="0"/>
+              </a:spcAft>
+              <a:buNone/>
+            </a:pPr>
+            <a:r>
+              <a:t/>
+            </a:r>
+            <a:endParaRPr>
+              <a:solidFill>
+                <a:srgbClr val="FFFFFF"/>
+              </a:solidFill>
+              <a:latin typeface="Lato"/>
+              <a:ea typeface="Lato"/>
+              <a:cs typeface="Lato"/>
+              <a:sym typeface="Lato"/>
+            </a:endParaRPr>
+          </a:p>
+          <a:p>
+            <a:pPr indent="-317500" lvl="0" marL="457200" rtl="0" algn="l">
               <a:spcBef>
                 <a:spcPts val="0"/>
               </a:spcBef>
@@ -12688,7 +12952,7 @@
                 <a:cs typeface="Lato"/>
                 <a:sym typeface="Lato"/>
               </a:rPr>
-              <a:t>convert to string then using json.loads() create JSON format</a:t>
+              <a:t>Convert terminal output to string</a:t>
             </a:r>
             <a:endParaRPr>
               <a:solidFill>
@@ -12701,7 +12965,7 @@
             </a:endParaRPr>
           </a:p>
           <a:p>
-            <a:pPr indent="0" lvl="0" marL="0" rtl="0" algn="l">
+            <a:pPr indent="0" lvl="0" marL="457200" rtl="0" algn="l">
               <a:spcBef>
                 <a:spcPts val="0"/>
               </a:spcBef>
@@ -12724,7 +12988,7 @@
             </a:endParaRPr>
           </a:p>
           <a:p>
-            <a:pPr indent="-317500" lvl="1" marL="914400" rtl="0" algn="l">
+            <a:pPr indent="-317500" lvl="0" marL="457200" rtl="0" algn="l">
               <a:spcBef>
                 <a:spcPts val="0"/>
               </a:spcBef>
@@ -12748,7 +13012,7 @@
                 <a:cs typeface="Lato"/>
                 <a:sym typeface="Lato"/>
               </a:rPr>
-              <a:t>Problems with format of terminal output</a:t>
+              <a:t>Using json.loads() convert each tweet to Dictionary Format</a:t>
             </a:r>
             <a:endParaRPr>
               <a:solidFill>
@@ -12772,175 +13036,6 @@
             </a:pPr>
             <a:r>
               <a:t/>
-            </a:r>
-            <a:endParaRPr>
-              <a:solidFill>
-                <a:srgbClr val="FFFFFF"/>
-              </a:solidFill>
-              <a:latin typeface="Lato"/>
-              <a:ea typeface="Lato"/>
-              <a:cs typeface="Lato"/>
-              <a:sym typeface="Lato"/>
-            </a:endParaRPr>
-          </a:p>
-          <a:p>
-            <a:pPr indent="-317500" lvl="0" marL="457200" rtl="0" algn="l">
-              <a:spcBef>
-                <a:spcPts val="0"/>
-              </a:spcBef>
-              <a:spcAft>
-                <a:spcPts val="0"/>
-              </a:spcAft>
-              <a:buClr>
-                <a:srgbClr val="FFFFFF"/>
-              </a:buClr>
-              <a:buSzPts val="1400"/>
-              <a:buFont typeface="Lato"/>
-              <a:buChar char="-"/>
-            </a:pPr>
-            <a:r>
-              <a:rPr b="1" lang="en">
-                <a:solidFill>
-                  <a:srgbClr val="FFFFFF"/>
-                </a:solidFill>
-                <a:latin typeface="Lato"/>
-                <a:ea typeface="Lato"/>
-                <a:cs typeface="Lato"/>
-                <a:sym typeface="Lato"/>
-              </a:rPr>
-              <a:t>Solution</a:t>
-            </a:r>
-            <a:r>
-              <a:rPr lang="en">
-                <a:solidFill>
-                  <a:srgbClr val="FFFFFF"/>
-                </a:solidFill>
-                <a:latin typeface="Lato"/>
-                <a:ea typeface="Lato"/>
-                <a:cs typeface="Lato"/>
-                <a:sym typeface="Lato"/>
-              </a:rPr>
-              <a:t>:</a:t>
-            </a:r>
-            <a:endParaRPr>
-              <a:solidFill>
-                <a:srgbClr val="FFFFFF"/>
-              </a:solidFill>
-              <a:latin typeface="Lato"/>
-              <a:ea typeface="Lato"/>
-              <a:cs typeface="Lato"/>
-              <a:sym typeface="Lato"/>
-            </a:endParaRPr>
-          </a:p>
-          <a:p>
-            <a:pPr indent="0" lvl="0" marL="0" rtl="0" algn="l">
-              <a:spcBef>
-                <a:spcPts val="0"/>
-              </a:spcBef>
-              <a:spcAft>
-                <a:spcPts val="0"/>
-              </a:spcAft>
-              <a:buNone/>
-            </a:pPr>
-            <a:r>
-              <a:t/>
-            </a:r>
-            <a:endParaRPr>
-              <a:solidFill>
-                <a:srgbClr val="FFFFFF"/>
-              </a:solidFill>
-              <a:latin typeface="Lato"/>
-              <a:ea typeface="Lato"/>
-              <a:cs typeface="Lato"/>
-              <a:sym typeface="Lato"/>
-            </a:endParaRPr>
-          </a:p>
-          <a:p>
-            <a:pPr indent="-317500" lvl="1" marL="914400" rtl="0" algn="l">
-              <a:spcBef>
-                <a:spcPts val="0"/>
-              </a:spcBef>
-              <a:spcAft>
-                <a:spcPts val="0"/>
-              </a:spcAft>
-              <a:buClr>
-                <a:srgbClr val="FFFFFF"/>
-              </a:buClr>
-              <a:buSzPts val="1400"/>
-              <a:buFont typeface="Lato"/>
-              <a:buChar char="-"/>
-            </a:pPr>
-            <a:r>
-              <a:rPr lang="en">
-                <a:solidFill>
-                  <a:srgbClr val="FFFFFF"/>
-                </a:solidFill>
-                <a:latin typeface="Lato"/>
-                <a:ea typeface="Lato"/>
-                <a:cs typeface="Lato"/>
-                <a:sym typeface="Lato"/>
-              </a:rPr>
-              <a:t>Convert Each Tweet to List</a:t>
-            </a:r>
-            <a:endParaRPr>
-              <a:solidFill>
-                <a:srgbClr val="FFFFFF"/>
-              </a:solidFill>
-              <a:latin typeface="Lato"/>
-              <a:ea typeface="Lato"/>
-              <a:cs typeface="Lato"/>
-              <a:sym typeface="Lato"/>
-            </a:endParaRPr>
-          </a:p>
-          <a:p>
-            <a:pPr indent="0" lvl="0" marL="0" rtl="0" algn="l">
-              <a:spcBef>
-                <a:spcPts val="0"/>
-              </a:spcBef>
-              <a:spcAft>
-                <a:spcPts val="0"/>
-              </a:spcAft>
-              <a:buNone/>
-            </a:pPr>
-            <a:r>
-              <a:t/>
-            </a:r>
-            <a:endParaRPr>
-              <a:solidFill>
-                <a:srgbClr val="FFFFFF"/>
-              </a:solidFill>
-              <a:latin typeface="Lato"/>
-              <a:ea typeface="Lato"/>
-              <a:cs typeface="Lato"/>
-              <a:sym typeface="Lato"/>
-            </a:endParaRPr>
-          </a:p>
-          <a:p>
-            <a:pPr indent="-317500" lvl="1" marL="914400" rtl="0" algn="l">
-              <a:spcBef>
-                <a:spcPts val="0"/>
-              </a:spcBef>
-              <a:spcAft>
-                <a:spcPts val="0"/>
-              </a:spcAft>
-              <a:buClr>
-                <a:srgbClr val="FFFFFF"/>
-              </a:buClr>
-              <a:buSzPts val="1400"/>
-              <a:buFont typeface="Lato"/>
-              <a:buChar char="-"/>
-            </a:pPr>
-            <a:r>
-              <a:rPr lang="en">
-                <a:solidFill>
-                  <a:srgbClr val="FFFFFF"/>
-                </a:solidFill>
-                <a:latin typeface="Lato"/>
-                <a:ea typeface="Lato"/>
-                <a:cs typeface="Lato"/>
-                <a:sym typeface="Lato"/>
-              </a:rPr>
-              <a:t>Each List contains Tweet data</a:t>
             </a:r>
             <a:endParaRPr>
               <a:solidFill>
@@ -12988,14 +13083,14 @@
       </p:sp>
       <p:sp>
         <p:nvSpPr>
-          <p:cNvPr id="196" name="Google Shape;196;p21"/>
+          <p:cNvPr id="195" name="Google Shape;195;p21"/>
           <p:cNvSpPr txBox="1"/>
           <p:nvPr/>
         </p:nvSpPr>
         <p:spPr>
           <a:xfrm>
-            <a:off x="5042588" y="3381700"/>
-            <a:ext cx="3671400" cy="1507500"/>
+            <a:off x="3825000" y="1307850"/>
+            <a:ext cx="3014100" cy="3366300"/>
           </a:xfrm>
           <a:prstGeom prst="rect">
             <a:avLst/>
@@ -13012,6 +13107,29 @@
           <a:lstStyle/>
           <a:p>
             <a:pPr indent="0" lvl="0" marL="0" rtl="0" algn="l">
+              <a:spcBef>
+                <a:spcPts val="0"/>
+              </a:spcBef>
+              <a:spcAft>
+                <a:spcPts val="0"/>
+              </a:spcAft>
+              <a:buNone/>
+            </a:pPr>
+            <a:r>
+              <a:t/>
+            </a:r>
+            <a:endParaRPr>
+              <a:solidFill>
+                <a:srgbClr val="FFFFFF"/>
+              </a:solidFill>
+              <a:latin typeface="Lato"/>
+              <a:ea typeface="Lato"/>
+              <a:cs typeface="Lato"/>
+              <a:sym typeface="Lato"/>
+            </a:endParaRPr>
+          </a:p>
+          <a:p>
+            <a:pPr indent="457200" lvl="0" marL="0" rtl="0" algn="l">
               <a:spcBef>
                 <a:spcPts val="0"/>
               </a:spcBef>
@@ -13066,6 +13184,29 @@
             </a:endParaRPr>
           </a:p>
           <a:p>
+            <a:pPr indent="0" lvl="0" marL="914400" rtl="0" algn="l">
+              <a:spcBef>
+                <a:spcPts val="0"/>
+              </a:spcBef>
+              <a:spcAft>
+                <a:spcPts val="0"/>
+              </a:spcAft>
+              <a:buNone/>
+            </a:pPr>
+            <a:r>
+              <a:t/>
+            </a:r>
+            <a:endParaRPr>
+              <a:solidFill>
+                <a:srgbClr val="FFFFFF"/>
+              </a:solidFill>
+              <a:latin typeface="Lato"/>
+              <a:ea typeface="Lato"/>
+              <a:cs typeface="Lato"/>
+              <a:sym typeface="Lato"/>
+            </a:endParaRPr>
+          </a:p>
+          <a:p>
             <a:pPr indent="-317500" lvl="0" marL="457200" rtl="0" algn="l">
               <a:spcBef>
                 <a:spcPts val="0"/>
@@ -13090,7 +13231,7 @@
                 <a:cs typeface="Lato"/>
                 <a:sym typeface="Lato"/>
               </a:rPr>
-              <a:t>Implement parsing / storing algorithm as an </a:t>
+              <a:t>Implement bulk-store algorithm as an </a:t>
             </a:r>
             <a:r>
               <a:rPr lang="en">
@@ -13188,6 +13329,34 @@
           </a:p>
         </p:txBody>
       </p:sp>
+      <p:pic>
+        <p:nvPicPr>
+          <p:cNvPr id="196" name="Google Shape;196;p21"/>
+          <p:cNvPicPr preferRelativeResize="0"/>
+          <p:nvPr/>
+        </p:nvPicPr>
+        <p:blipFill>
+          <a:blip r:embed="rId3">
+            <a:alphaModFix/>
+          </a:blip>
+          <a:stretch>
+            <a:fillRect/>
+          </a:stretch>
+        </p:blipFill>
+        <p:spPr>
+          <a:xfrm>
+            <a:off x="7069800" y="246525"/>
+            <a:ext cx="1786500" cy="4650450"/>
+          </a:xfrm>
+          <a:prstGeom prst="rect">
+            <a:avLst/>
+          </a:prstGeom>
+          <a:noFill/>
+          <a:ln>
+            <a:noFill/>
+          </a:ln>
+        </p:spPr>
+      </p:pic>
     </p:spTree>
   </p:cSld>
   <p:clrMapOvr>
